--- a/e107_revision/2023.08.11_Nir_Status_Update.pptx
+++ b/e107_revision/2023.08.11_Nir_Status_Update.pptx
@@ -278,7 +278,7 @@
           <a:p>
             <a:fld id="{70C657AA-C5B8-47DD-BA5E-84B85563C266}" type="datetimeFigureOut">
               <a:rPr lang="en-GB" smtClean="0"/>
-              <a:t>11/08/2023</a:t>
+              <a:t>19/08/2023</a:t>
             </a:fld>
             <a:endParaRPr lang="en-GB"/>
           </a:p>
@@ -478,7 +478,7 @@
           <a:p>
             <a:fld id="{70C657AA-C5B8-47DD-BA5E-84B85563C266}" type="datetimeFigureOut">
               <a:rPr lang="en-GB" smtClean="0"/>
-              <a:t>11/08/2023</a:t>
+              <a:t>19/08/2023</a:t>
             </a:fld>
             <a:endParaRPr lang="en-GB"/>
           </a:p>
@@ -688,7 +688,7 @@
           <a:p>
             <a:fld id="{70C657AA-C5B8-47DD-BA5E-84B85563C266}" type="datetimeFigureOut">
               <a:rPr lang="en-GB" smtClean="0"/>
-              <a:t>11/08/2023</a:t>
+              <a:t>19/08/2023</a:t>
             </a:fld>
             <a:endParaRPr lang="en-GB"/>
           </a:p>
@@ -888,7 +888,7 @@
           <a:p>
             <a:fld id="{70C657AA-C5B8-47DD-BA5E-84B85563C266}" type="datetimeFigureOut">
               <a:rPr lang="en-GB" smtClean="0"/>
-              <a:t>11/08/2023</a:t>
+              <a:t>19/08/2023</a:t>
             </a:fld>
             <a:endParaRPr lang="en-GB"/>
           </a:p>
@@ -1164,7 +1164,7 @@
           <a:p>
             <a:fld id="{70C657AA-C5B8-47DD-BA5E-84B85563C266}" type="datetimeFigureOut">
               <a:rPr lang="en-GB" smtClean="0"/>
-              <a:t>11/08/2023</a:t>
+              <a:t>19/08/2023</a:t>
             </a:fld>
             <a:endParaRPr lang="en-GB"/>
           </a:p>
@@ -1432,7 +1432,7 @@
           <a:p>
             <a:fld id="{70C657AA-C5B8-47DD-BA5E-84B85563C266}" type="datetimeFigureOut">
               <a:rPr lang="en-GB" smtClean="0"/>
-              <a:t>11/08/2023</a:t>
+              <a:t>19/08/2023</a:t>
             </a:fld>
             <a:endParaRPr lang="en-GB"/>
           </a:p>
@@ -1847,7 +1847,7 @@
           <a:p>
             <a:fld id="{70C657AA-C5B8-47DD-BA5E-84B85563C266}" type="datetimeFigureOut">
               <a:rPr lang="en-GB" smtClean="0"/>
-              <a:t>11/08/2023</a:t>
+              <a:t>19/08/2023</a:t>
             </a:fld>
             <a:endParaRPr lang="en-GB"/>
           </a:p>
@@ -1989,7 +1989,7 @@
           <a:p>
             <a:fld id="{70C657AA-C5B8-47DD-BA5E-84B85563C266}" type="datetimeFigureOut">
               <a:rPr lang="en-GB" smtClean="0"/>
-              <a:t>11/08/2023</a:t>
+              <a:t>19/08/2023</a:t>
             </a:fld>
             <a:endParaRPr lang="en-GB"/>
           </a:p>
@@ -2102,7 +2102,7 @@
           <a:p>
             <a:fld id="{70C657AA-C5B8-47DD-BA5E-84B85563C266}" type="datetimeFigureOut">
               <a:rPr lang="en-GB" smtClean="0"/>
-              <a:t>11/08/2023</a:t>
+              <a:t>19/08/2023</a:t>
             </a:fld>
             <a:endParaRPr lang="en-GB"/>
           </a:p>
@@ -2415,7 +2415,7 @@
           <a:p>
             <a:fld id="{70C657AA-C5B8-47DD-BA5E-84B85563C266}" type="datetimeFigureOut">
               <a:rPr lang="en-GB" smtClean="0"/>
-              <a:t>11/08/2023</a:t>
+              <a:t>19/08/2023</a:t>
             </a:fld>
             <a:endParaRPr lang="en-GB"/>
           </a:p>
@@ -2704,7 +2704,7 @@
           <a:p>
             <a:fld id="{70C657AA-C5B8-47DD-BA5E-84B85563C266}" type="datetimeFigureOut">
               <a:rPr lang="en-GB" smtClean="0"/>
-              <a:t>11/08/2023</a:t>
+              <a:t>19/08/2023</a:t>
             </a:fld>
             <a:endParaRPr lang="en-GB"/>
           </a:p>
@@ -2947,7 +2947,7 @@
           <a:p>
             <a:fld id="{70C657AA-C5B8-47DD-BA5E-84B85563C266}" type="datetimeFigureOut">
               <a:rPr lang="en-GB" smtClean="0"/>
-              <a:t>11/08/2023</a:t>
+              <a:t>19/08/2023</a:t>
             </a:fld>
             <a:endParaRPr lang="en-GB"/>
           </a:p>
@@ -5055,7 +5055,7 @@
             <a:pPr algn="ctr"/>
             <a:r>
               <a:rPr lang="en-GB" sz="3200" dirty="0"/>
-              <a:t>Leave on out test for overhead RF MEPS system</a:t>
+              <a:t>Leave one out test for overhead RF MEPS system</a:t>
             </a:r>
           </a:p>
         </p:txBody>
